--- a/docs/songs/this is amazing grace.pptx
+++ b/docs/songs/this is amazing grace.pptx
@@ -312,7 +312,7 @@
             <a:fld id="{26EA1CF3-4A15-4CBF-9A5A-6A56C368BE71}" type="datetimeFigureOut">
               <a:rPr lang="en-GB" smtClean="0"/>
               <a:pPr/>
-              <a:t>03/10/2022</a:t>
+              <a:t>22/07/2024</a:t>
             </a:fld>
             <a:endParaRPr lang="en-GB"/>
           </a:p>
@@ -479,7 +479,7 @@
             <a:fld id="{26EA1CF3-4A15-4CBF-9A5A-6A56C368BE71}" type="datetimeFigureOut">
               <a:rPr lang="en-GB" smtClean="0"/>
               <a:pPr/>
-              <a:t>03/10/2022</a:t>
+              <a:t>22/07/2024</a:t>
             </a:fld>
             <a:endParaRPr lang="en-GB"/>
           </a:p>
@@ -656,7 +656,7 @@
             <a:fld id="{26EA1CF3-4A15-4CBF-9A5A-6A56C368BE71}" type="datetimeFigureOut">
               <a:rPr lang="en-GB" smtClean="0"/>
               <a:pPr/>
-              <a:t>03/10/2022</a:t>
+              <a:t>22/07/2024</a:t>
             </a:fld>
             <a:endParaRPr lang="en-GB"/>
           </a:p>
@@ -823,7 +823,7 @@
             <a:fld id="{26EA1CF3-4A15-4CBF-9A5A-6A56C368BE71}" type="datetimeFigureOut">
               <a:rPr lang="en-GB" smtClean="0"/>
               <a:pPr/>
-              <a:t>03/10/2022</a:t>
+              <a:t>22/07/2024</a:t>
             </a:fld>
             <a:endParaRPr lang="en-GB"/>
           </a:p>
@@ -1066,7 +1066,7 @@
             <a:fld id="{26EA1CF3-4A15-4CBF-9A5A-6A56C368BE71}" type="datetimeFigureOut">
               <a:rPr lang="en-GB" smtClean="0"/>
               <a:pPr/>
-              <a:t>03/10/2022</a:t>
+              <a:t>22/07/2024</a:t>
             </a:fld>
             <a:endParaRPr lang="en-GB"/>
           </a:p>
@@ -1351,7 +1351,7 @@
             <a:fld id="{26EA1CF3-4A15-4CBF-9A5A-6A56C368BE71}" type="datetimeFigureOut">
               <a:rPr lang="en-GB" smtClean="0"/>
               <a:pPr/>
-              <a:t>03/10/2022</a:t>
+              <a:t>22/07/2024</a:t>
             </a:fld>
             <a:endParaRPr lang="en-GB"/>
           </a:p>
@@ -1770,7 +1770,7 @@
             <a:fld id="{26EA1CF3-4A15-4CBF-9A5A-6A56C368BE71}" type="datetimeFigureOut">
               <a:rPr lang="en-GB" smtClean="0"/>
               <a:pPr/>
-              <a:t>03/10/2022</a:t>
+              <a:t>22/07/2024</a:t>
             </a:fld>
             <a:endParaRPr lang="en-GB"/>
           </a:p>
@@ -1885,7 +1885,7 @@
             <a:fld id="{26EA1CF3-4A15-4CBF-9A5A-6A56C368BE71}" type="datetimeFigureOut">
               <a:rPr lang="en-GB" smtClean="0"/>
               <a:pPr/>
-              <a:t>03/10/2022</a:t>
+              <a:t>22/07/2024</a:t>
             </a:fld>
             <a:endParaRPr lang="en-GB"/>
           </a:p>
@@ -1977,7 +1977,7 @@
             <a:fld id="{26EA1CF3-4A15-4CBF-9A5A-6A56C368BE71}" type="datetimeFigureOut">
               <a:rPr lang="en-GB" smtClean="0"/>
               <a:pPr/>
-              <a:t>03/10/2022</a:t>
+              <a:t>22/07/2024</a:t>
             </a:fld>
             <a:endParaRPr lang="en-GB"/>
           </a:p>
@@ -2251,7 +2251,7 @@
             <a:fld id="{26EA1CF3-4A15-4CBF-9A5A-6A56C368BE71}" type="datetimeFigureOut">
               <a:rPr lang="en-GB" smtClean="0"/>
               <a:pPr/>
-              <a:t>03/10/2022</a:t>
+              <a:t>22/07/2024</a:t>
             </a:fld>
             <a:endParaRPr lang="en-GB"/>
           </a:p>
@@ -2501,7 +2501,7 @@
             <a:fld id="{26EA1CF3-4A15-4CBF-9A5A-6A56C368BE71}" type="datetimeFigureOut">
               <a:rPr lang="en-GB" smtClean="0"/>
               <a:pPr/>
-              <a:t>03/10/2022</a:t>
+              <a:t>22/07/2024</a:t>
             </a:fld>
             <a:endParaRPr lang="en-GB"/>
           </a:p>
@@ -2714,7 +2714,7 @@
             <a:fld id="{26EA1CF3-4A15-4CBF-9A5A-6A56C368BE71}" type="datetimeFigureOut">
               <a:rPr lang="en-GB" smtClean="0"/>
               <a:pPr/>
-              <a:t>03/10/2022</a:t>
+              <a:t>22/07/2024</a:t>
             </a:fld>
             <a:endParaRPr lang="en-GB"/>
           </a:p>
@@ -3296,7 +3296,7 @@
         </p:nvSpPr>
         <p:spPr>
           <a:xfrm>
-            <a:off x="323528" y="188640"/>
+            <a:off x="323528" y="764704"/>
             <a:ext cx="8640960" cy="6480720"/>
           </a:xfrm>
         </p:spPr>
@@ -3307,7 +3307,7 @@
           <a:lstStyle/>
           <a:p>
             <a:r>
-              <a:rPr lang="en-GB" sz="5400" dirty="0">
+              <a:rPr lang="en-GB" sz="3600" dirty="0">
                 <a:solidFill>
                   <a:schemeClr val="bg1"/>
                 </a:solidFill>
@@ -3317,7 +3317,7 @@
           </a:p>
           <a:p>
             <a:r>
-              <a:rPr lang="en-GB" sz="5400" dirty="0">
+              <a:rPr lang="en-GB" sz="3600" dirty="0">
                 <a:solidFill>
                   <a:schemeClr val="bg1"/>
                 </a:solidFill>
@@ -3327,7 +3327,7 @@
           </a:p>
           <a:p>
             <a:r>
-              <a:rPr lang="en-GB" sz="5400" dirty="0">
+              <a:rPr lang="en-GB" sz="3600" dirty="0">
                 <a:solidFill>
                   <a:schemeClr val="bg1"/>
                 </a:solidFill>
@@ -3412,7 +3412,7 @@
         </p:nvSpPr>
         <p:spPr>
           <a:xfrm>
-            <a:off x="323528" y="188640"/>
+            <a:off x="237601" y="692696"/>
             <a:ext cx="8640960" cy="6480720"/>
           </a:xfrm>
         </p:spPr>
@@ -3423,7 +3423,7 @@
           <a:lstStyle/>
           <a:p>
             <a:r>
-              <a:rPr lang="en-GB" sz="5400" dirty="0">
+              <a:rPr lang="en-GB" sz="3600" dirty="0">
                 <a:solidFill>
                   <a:schemeClr val="bg1"/>
                 </a:solidFill>
@@ -3433,7 +3433,7 @@
           </a:p>
           <a:p>
             <a:r>
-              <a:rPr lang="en-GB" sz="5400" dirty="0">
+              <a:rPr lang="en-GB" sz="3600" dirty="0">
                 <a:solidFill>
                   <a:schemeClr val="bg1"/>
                 </a:solidFill>
@@ -3443,7 +3443,7 @@
           </a:p>
           <a:p>
             <a:r>
-              <a:rPr lang="en-GB" sz="5400" dirty="0">
+              <a:rPr lang="en-GB" sz="3600" dirty="0">
                 <a:solidFill>
                   <a:schemeClr val="bg1"/>
                 </a:solidFill>
@@ -3528,7 +3528,7 @@
         </p:nvSpPr>
         <p:spPr>
           <a:xfrm>
-            <a:off x="323528" y="188640"/>
+            <a:off x="203118" y="692696"/>
             <a:ext cx="8640960" cy="6480720"/>
           </a:xfrm>
         </p:spPr>
@@ -3539,7 +3539,7 @@
           <a:lstStyle/>
           <a:p>
             <a:r>
-              <a:rPr lang="en-GB" sz="4400" dirty="0">
+              <a:rPr lang="en-GB" sz="3600" dirty="0">
                 <a:solidFill>
                   <a:schemeClr val="bg1"/>
                 </a:solidFill>
@@ -3549,7 +3549,7 @@
           </a:p>
           <a:p>
             <a:r>
-              <a:rPr lang="en-GB" sz="4400" dirty="0">
+              <a:rPr lang="en-GB" sz="3600" dirty="0">
                 <a:solidFill>
                   <a:schemeClr val="bg1"/>
                 </a:solidFill>
@@ -3559,7 +3559,7 @@
           </a:p>
           <a:p>
             <a:r>
-              <a:rPr lang="en-GB" sz="4400" dirty="0">
+              <a:rPr lang="en-GB" sz="3600" dirty="0">
                 <a:solidFill>
                   <a:schemeClr val="bg1"/>
                 </a:solidFill>
@@ -3569,7 +3569,7 @@
           </a:p>
           <a:p>
             <a:r>
-              <a:rPr lang="en-GB" sz="4400" dirty="0">
+              <a:rPr lang="en-GB" sz="3600" dirty="0">
                 <a:solidFill>
                   <a:schemeClr val="bg1"/>
                 </a:solidFill>
@@ -3579,7 +3579,7 @@
           </a:p>
           <a:p>
             <a:r>
-              <a:rPr lang="en-GB" sz="4400" dirty="0">
+              <a:rPr lang="en-GB" sz="3600" dirty="0">
                 <a:solidFill>
                   <a:schemeClr val="bg1"/>
                 </a:solidFill>
@@ -3589,7 +3589,7 @@
           </a:p>
           <a:p>
             <a:r>
-              <a:rPr lang="en-GB" sz="4400" dirty="0">
+              <a:rPr lang="en-GB" sz="3600" dirty="0">
                 <a:solidFill>
                   <a:schemeClr val="bg1"/>
                 </a:solidFill>
@@ -3599,7 +3599,7 @@
           </a:p>
           <a:p>
             <a:r>
-              <a:rPr lang="en-GB" sz="4400" dirty="0">
+              <a:rPr lang="en-GB" sz="3600" dirty="0">
                 <a:solidFill>
                   <a:schemeClr val="bg1"/>
                 </a:solidFill>
@@ -3684,7 +3684,7 @@
         </p:nvSpPr>
         <p:spPr>
           <a:xfrm>
-            <a:off x="107504" y="188640"/>
+            <a:off x="4260" y="692696"/>
             <a:ext cx="8856984" cy="6480720"/>
           </a:xfrm>
         </p:spPr>
@@ -3695,7 +3695,7 @@
           <a:lstStyle/>
           <a:p>
             <a:r>
-              <a:rPr lang="en-GB" sz="5000" dirty="0">
+              <a:rPr lang="en-GB" sz="3600" dirty="0">
                 <a:solidFill>
                   <a:schemeClr val="bg1"/>
                 </a:solidFill>
@@ -3705,7 +3705,7 @@
           </a:p>
           <a:p>
             <a:r>
-              <a:rPr lang="en-GB" sz="5000" dirty="0">
+              <a:rPr lang="en-GB" sz="3600" dirty="0">
                 <a:solidFill>
                   <a:schemeClr val="bg1"/>
                 </a:solidFill>
@@ -3715,7 +3715,7 @@
           </a:p>
           <a:p>
             <a:r>
-              <a:rPr lang="en-GB" sz="5000" dirty="0">
+              <a:rPr lang="en-GB" sz="3600" dirty="0">
                 <a:solidFill>
                   <a:schemeClr val="bg1"/>
                 </a:solidFill>
@@ -3800,7 +3800,7 @@
         </p:nvSpPr>
         <p:spPr>
           <a:xfrm>
-            <a:off x="107504" y="188640"/>
+            <a:off x="143508" y="692696"/>
             <a:ext cx="8856984" cy="6480720"/>
           </a:xfrm>
         </p:spPr>
@@ -3811,7 +3811,7 @@
           <a:lstStyle/>
           <a:p>
             <a:r>
-              <a:rPr lang="en-GB" sz="5000" dirty="0">
+              <a:rPr lang="en-GB" sz="3600" dirty="0">
                 <a:solidFill>
                   <a:schemeClr val="bg1"/>
                 </a:solidFill>
@@ -3821,7 +3821,7 @@
           </a:p>
           <a:p>
             <a:r>
-              <a:rPr lang="en-GB" sz="5000" dirty="0">
+              <a:rPr lang="en-GB" sz="3600" dirty="0">
                 <a:solidFill>
                   <a:schemeClr val="bg1"/>
                 </a:solidFill>
@@ -3831,7 +3831,7 @@
           </a:p>
           <a:p>
             <a:r>
-              <a:rPr lang="en-GB" sz="5000" dirty="0">
+              <a:rPr lang="en-GB" sz="3600" dirty="0">
                 <a:solidFill>
                   <a:schemeClr val="bg1"/>
                 </a:solidFill>
@@ -3916,7 +3916,7 @@
         </p:nvSpPr>
         <p:spPr>
           <a:xfrm>
-            <a:off x="323528" y="188640"/>
+            <a:off x="251520" y="692696"/>
             <a:ext cx="8640960" cy="6480720"/>
           </a:xfrm>
         </p:spPr>
@@ -3927,7 +3927,7 @@
           <a:lstStyle/>
           <a:p>
             <a:r>
-              <a:rPr lang="en-GB" sz="4400" dirty="0">
+              <a:rPr lang="en-GB" sz="3600" dirty="0">
                 <a:solidFill>
                   <a:schemeClr val="bg1"/>
                 </a:solidFill>
@@ -3937,7 +3937,7 @@
           </a:p>
           <a:p>
             <a:r>
-              <a:rPr lang="en-GB" sz="4400" dirty="0">
+              <a:rPr lang="en-GB" sz="3600" dirty="0">
                 <a:solidFill>
                   <a:schemeClr val="bg1"/>
                 </a:solidFill>
@@ -3947,7 +3947,7 @@
           </a:p>
           <a:p>
             <a:r>
-              <a:rPr lang="en-GB" sz="4400" dirty="0">
+              <a:rPr lang="en-GB" sz="3600" dirty="0">
                 <a:solidFill>
                   <a:schemeClr val="bg1"/>
                 </a:solidFill>
@@ -3957,7 +3957,7 @@
           </a:p>
           <a:p>
             <a:r>
-              <a:rPr lang="en-GB" sz="4400" dirty="0">
+              <a:rPr lang="en-GB" sz="3600" dirty="0">
                 <a:solidFill>
                   <a:schemeClr val="bg1"/>
                 </a:solidFill>
@@ -3967,7 +3967,7 @@
           </a:p>
           <a:p>
             <a:r>
-              <a:rPr lang="en-GB" sz="4400" dirty="0">
+              <a:rPr lang="en-GB" sz="3600" dirty="0">
                 <a:solidFill>
                   <a:schemeClr val="bg1"/>
                 </a:solidFill>
@@ -3977,7 +3977,7 @@
           </a:p>
           <a:p>
             <a:r>
-              <a:rPr lang="en-GB" sz="4400" dirty="0">
+              <a:rPr lang="en-GB" sz="3600" dirty="0">
                 <a:solidFill>
                   <a:schemeClr val="bg1"/>
                 </a:solidFill>
@@ -3987,7 +3987,7 @@
           </a:p>
           <a:p>
             <a:r>
-              <a:rPr lang="en-GB" sz="4400" dirty="0">
+              <a:rPr lang="en-GB" sz="3600" dirty="0">
                 <a:solidFill>
                   <a:schemeClr val="bg1"/>
                 </a:solidFill>
@@ -4072,7 +4072,7 @@
         </p:nvSpPr>
         <p:spPr>
           <a:xfrm>
-            <a:off x="323528" y="188640"/>
+            <a:off x="251520" y="692696"/>
             <a:ext cx="8640960" cy="6480720"/>
           </a:xfrm>
         </p:spPr>
@@ -4083,7 +4083,7 @@
           <a:lstStyle/>
           <a:p>
             <a:r>
-              <a:rPr lang="en-GB" sz="3700" dirty="0">
+              <a:rPr lang="en-GB" sz="3600" dirty="0">
                 <a:solidFill>
                   <a:schemeClr val="bg1"/>
                 </a:solidFill>
@@ -4093,33 +4093,17 @@
           </a:p>
           <a:p>
             <a:r>
-              <a:rPr lang="en-GB" sz="3700" dirty="0">
-                <a:solidFill>
-                  <a:schemeClr val="bg1"/>
-                </a:solidFill>
-              </a:rPr>
-              <a:t>Worthy is the King </a:t>
-            </a:r>
-            <a:r>
               <a:rPr lang="en-GB" sz="3600" dirty="0">
                 <a:solidFill>
                   <a:schemeClr val="bg1"/>
                 </a:solidFill>
               </a:rPr>
-              <a:t>who</a:t>
-            </a:r>
-            <a:r>
-              <a:rPr lang="en-GB" sz="3700" dirty="0">
-                <a:solidFill>
-                  <a:schemeClr val="bg1"/>
-                </a:solidFill>
-              </a:rPr>
-              <a:t> conquered the grave</a:t>
-            </a:r>
-          </a:p>
-          <a:p>
-            <a:r>
-              <a:rPr lang="en-GB" sz="3700" dirty="0">
+              <a:t>Worthy is the King who conquered the grave</a:t>
+            </a:r>
+          </a:p>
+          <a:p>
+            <a:r>
+              <a:rPr lang="en-GB" sz="3600" dirty="0">
                 <a:solidFill>
                   <a:schemeClr val="bg1"/>
                 </a:solidFill>
@@ -4129,7 +4113,7 @@
           </a:p>
           <a:p>
             <a:r>
-              <a:rPr lang="en-GB" sz="3700" dirty="0">
+              <a:rPr lang="en-GB" sz="3600" dirty="0">
                 <a:solidFill>
                   <a:schemeClr val="bg1"/>
                 </a:solidFill>
@@ -4139,7 +4123,7 @@
           </a:p>
           <a:p>
             <a:r>
-              <a:rPr lang="en-GB" sz="3700" dirty="0">
+              <a:rPr lang="en-GB" sz="3600" dirty="0">
                 <a:solidFill>
                   <a:schemeClr val="bg1"/>
                 </a:solidFill>
@@ -4149,7 +4133,7 @@
           </a:p>
           <a:p>
             <a:r>
-              <a:rPr lang="en-GB" sz="3700" dirty="0">
+              <a:rPr lang="en-GB" sz="3600" dirty="0">
                 <a:solidFill>
                   <a:schemeClr val="bg1"/>
                 </a:solidFill>
@@ -4159,7 +4143,7 @@
           </a:p>
           <a:p>
             <a:r>
-              <a:rPr lang="en-GB" sz="3700" dirty="0">
+              <a:rPr lang="en-GB" sz="3600" dirty="0">
                 <a:solidFill>
                   <a:schemeClr val="bg1"/>
                 </a:solidFill>
@@ -4169,7 +4153,7 @@
           </a:p>
           <a:p>
             <a:r>
-              <a:rPr lang="en-GB" sz="3700" dirty="0">
+              <a:rPr lang="en-GB" sz="3600" dirty="0">
                 <a:solidFill>
                   <a:schemeClr val="bg1"/>
                 </a:solidFill>
@@ -4177,7 +4161,7 @@
               <a:t>Worthy </a:t>
             </a:r>
             <a:r>
-              <a:rPr lang="en-GB" sz="3700" dirty="0" err="1">
+              <a:rPr lang="en-GB" sz="3600" dirty="0" err="1">
                 <a:solidFill>
                   <a:schemeClr val="bg1"/>
                 </a:solidFill>
@@ -4185,7 +4169,7 @@
               <a:t>worthy</a:t>
             </a:r>
             <a:r>
-              <a:rPr lang="en-GB" sz="3700" dirty="0">
+              <a:rPr lang="en-GB" sz="3600" dirty="0">
                 <a:solidFill>
                   <a:schemeClr val="bg1"/>
                 </a:solidFill>
@@ -4193,14 +4177,14 @@
               <a:t> </a:t>
             </a:r>
             <a:r>
-              <a:rPr lang="en-GB" sz="3700" dirty="0" err="1">
+              <a:rPr lang="en-GB" sz="3600" dirty="0" err="1">
                 <a:solidFill>
                   <a:schemeClr val="bg1"/>
                 </a:solidFill>
               </a:rPr>
               <a:t>worthy</a:t>
             </a:r>
-            <a:endParaRPr lang="en-GB" sz="3700" dirty="0">
+            <a:endParaRPr lang="en-GB" sz="3600" dirty="0">
               <a:solidFill>
                 <a:schemeClr val="bg1"/>
               </a:solidFill>

--- a/docs/songs/this is amazing grace.pptx
+++ b/docs/songs/this is amazing grace.pptx
@@ -13,6 +13,7 @@
     <p:sldId id="512" r:id="rId7"/>
     <p:sldId id="513" r:id="rId8"/>
     <p:sldId id="514" r:id="rId9"/>
+    <p:sldId id="675" r:id="rId10"/>
   </p:sldIdLst>
   <p:sldSz cx="9144000" cy="6858000" type="screen4x3"/>
   <p:notesSz cx="6858000" cy="9144000"/>
@@ -312,7 +313,7 @@
             <a:fld id="{26EA1CF3-4A15-4CBF-9A5A-6A56C368BE71}" type="datetimeFigureOut">
               <a:rPr lang="en-GB" smtClean="0"/>
               <a:pPr/>
-              <a:t>22/07/2024</a:t>
+              <a:t>17/03/2025</a:t>
             </a:fld>
             <a:endParaRPr lang="en-GB"/>
           </a:p>
@@ -479,7 +480,7 @@
             <a:fld id="{26EA1CF3-4A15-4CBF-9A5A-6A56C368BE71}" type="datetimeFigureOut">
               <a:rPr lang="en-GB" smtClean="0"/>
               <a:pPr/>
-              <a:t>22/07/2024</a:t>
+              <a:t>17/03/2025</a:t>
             </a:fld>
             <a:endParaRPr lang="en-GB"/>
           </a:p>
@@ -656,7 +657,7 @@
             <a:fld id="{26EA1CF3-4A15-4CBF-9A5A-6A56C368BE71}" type="datetimeFigureOut">
               <a:rPr lang="en-GB" smtClean="0"/>
               <a:pPr/>
-              <a:t>22/07/2024</a:t>
+              <a:t>17/03/2025</a:t>
             </a:fld>
             <a:endParaRPr lang="en-GB"/>
           </a:p>
@@ -823,7 +824,7 @@
             <a:fld id="{26EA1CF3-4A15-4CBF-9A5A-6A56C368BE71}" type="datetimeFigureOut">
               <a:rPr lang="en-GB" smtClean="0"/>
               <a:pPr/>
-              <a:t>22/07/2024</a:t>
+              <a:t>17/03/2025</a:t>
             </a:fld>
             <a:endParaRPr lang="en-GB"/>
           </a:p>
@@ -1066,7 +1067,7 @@
             <a:fld id="{26EA1CF3-4A15-4CBF-9A5A-6A56C368BE71}" type="datetimeFigureOut">
               <a:rPr lang="en-GB" smtClean="0"/>
               <a:pPr/>
-              <a:t>22/07/2024</a:t>
+              <a:t>17/03/2025</a:t>
             </a:fld>
             <a:endParaRPr lang="en-GB"/>
           </a:p>
@@ -1351,7 +1352,7 @@
             <a:fld id="{26EA1CF3-4A15-4CBF-9A5A-6A56C368BE71}" type="datetimeFigureOut">
               <a:rPr lang="en-GB" smtClean="0"/>
               <a:pPr/>
-              <a:t>22/07/2024</a:t>
+              <a:t>17/03/2025</a:t>
             </a:fld>
             <a:endParaRPr lang="en-GB"/>
           </a:p>
@@ -1770,7 +1771,7 @@
             <a:fld id="{26EA1CF3-4A15-4CBF-9A5A-6A56C368BE71}" type="datetimeFigureOut">
               <a:rPr lang="en-GB" smtClean="0"/>
               <a:pPr/>
-              <a:t>22/07/2024</a:t>
+              <a:t>17/03/2025</a:t>
             </a:fld>
             <a:endParaRPr lang="en-GB"/>
           </a:p>
@@ -1885,7 +1886,7 @@
             <a:fld id="{26EA1CF3-4A15-4CBF-9A5A-6A56C368BE71}" type="datetimeFigureOut">
               <a:rPr lang="en-GB" smtClean="0"/>
               <a:pPr/>
-              <a:t>22/07/2024</a:t>
+              <a:t>17/03/2025</a:t>
             </a:fld>
             <a:endParaRPr lang="en-GB"/>
           </a:p>
@@ -1977,7 +1978,7 @@
             <a:fld id="{26EA1CF3-4A15-4CBF-9A5A-6A56C368BE71}" type="datetimeFigureOut">
               <a:rPr lang="en-GB" smtClean="0"/>
               <a:pPr/>
-              <a:t>22/07/2024</a:t>
+              <a:t>17/03/2025</a:t>
             </a:fld>
             <a:endParaRPr lang="en-GB"/>
           </a:p>
@@ -2251,7 +2252,7 @@
             <a:fld id="{26EA1CF3-4A15-4CBF-9A5A-6A56C368BE71}" type="datetimeFigureOut">
               <a:rPr lang="en-GB" smtClean="0"/>
               <a:pPr/>
-              <a:t>22/07/2024</a:t>
+              <a:t>17/03/2025</a:t>
             </a:fld>
             <a:endParaRPr lang="en-GB"/>
           </a:p>
@@ -2501,7 +2502,7 @@
             <a:fld id="{26EA1CF3-4A15-4CBF-9A5A-6A56C368BE71}" type="datetimeFigureOut">
               <a:rPr lang="en-GB" smtClean="0"/>
               <a:pPr/>
-              <a:t>22/07/2024</a:t>
+              <a:t>17/03/2025</a:t>
             </a:fld>
             <a:endParaRPr lang="en-GB"/>
           </a:p>
@@ -2714,7 +2715,7 @@
             <a:fld id="{26EA1CF3-4A15-4CBF-9A5A-6A56C368BE71}" type="datetimeFigureOut">
               <a:rPr lang="en-GB" smtClean="0"/>
               <a:pPr/>
-              <a:t>22/07/2024</a:t>
+              <a:t>17/03/2025</a:t>
             </a:fld>
             <a:endParaRPr lang="en-GB"/>
           </a:p>
@@ -3365,7 +3366,7 @@
                   <a:schemeClr val="bg1"/>
                 </a:solidFill>
               </a:rPr>
-              <a:t>1/7</a:t>
+              <a:t>1/8</a:t>
             </a:r>
           </a:p>
         </p:txBody>
@@ -3481,7 +3482,7 @@
                   <a:schemeClr val="bg1"/>
                 </a:solidFill>
               </a:rPr>
-              <a:t>2/7</a:t>
+              <a:t>2/8</a:t>
             </a:r>
           </a:p>
         </p:txBody>
@@ -3637,7 +3638,7 @@
                   <a:schemeClr val="bg1"/>
                 </a:solidFill>
               </a:rPr>
-              <a:t>3/7</a:t>
+              <a:t>3/8</a:t>
             </a:r>
           </a:p>
         </p:txBody>
@@ -3753,7 +3754,7 @@
                   <a:schemeClr val="bg1"/>
                 </a:solidFill>
               </a:rPr>
-              <a:t>4/7</a:t>
+              <a:t>4/8</a:t>
             </a:r>
           </a:p>
         </p:txBody>
@@ -3869,7 +3870,7 @@
                   <a:schemeClr val="bg1"/>
                 </a:solidFill>
               </a:rPr>
-              <a:t>5/7</a:t>
+              <a:t>5/8</a:t>
             </a:r>
           </a:p>
         </p:txBody>
@@ -4025,7 +4026,7 @@
                   <a:schemeClr val="bg1"/>
                 </a:solidFill>
               </a:rPr>
-              <a:t>6/7</a:t>
+              <a:t>6/8</a:t>
             </a:r>
           </a:p>
         </p:txBody>
@@ -4220,7 +4221,7 @@
                   <a:schemeClr val="bg1"/>
                 </a:solidFill>
               </a:rPr>
-              <a:t>7/7</a:t>
+              <a:t>7/8</a:t>
             </a:r>
           </a:p>
         </p:txBody>
@@ -4229,6 +4230,180 @@
     <p:extLst>
       <p:ext uri="{BB962C8B-B14F-4D97-AF65-F5344CB8AC3E}">
         <p14:creationId xmlns:p14="http://schemas.microsoft.com/office/powerpoint/2010/main" val="2112520271"/>
+      </p:ext>
+    </p:extLst>
+  </p:cSld>
+  <p:clrMapOvr>
+    <a:masterClrMapping/>
+  </p:clrMapOvr>
+</p:sld>
+</file>
+
+<file path=ppt/slides/slide9.xml><?xml version="1.0" encoding="utf-8"?>
+<p:sld xmlns:a="http://schemas.openxmlformats.org/drawingml/2006/main" xmlns:r="http://schemas.openxmlformats.org/officeDocument/2006/relationships" xmlns:p="http://schemas.openxmlformats.org/presentationml/2006/main">
+  <p:cSld>
+    <p:spTree>
+      <p:nvGrpSpPr>
+        <p:cNvPr id="1" name="">
+          <a:extLst>
+            <a:ext uri="{FF2B5EF4-FFF2-40B4-BE49-F238E27FC236}">
+              <a16:creationId xmlns:a16="http://schemas.microsoft.com/office/drawing/2014/main" id="{0BF0AA49-64E4-78EF-97F8-F80974A20FCD}"/>
+            </a:ext>
+          </a:extLst>
+        </p:cNvPr>
+        <p:cNvGrpSpPr/>
+        <p:nvPr/>
+      </p:nvGrpSpPr>
+      <p:grpSpPr>
+        <a:xfrm>
+          <a:off x="0" y="0"/>
+          <a:ext cx="0" cy="0"/>
+          <a:chOff x="0" y="0"/>
+          <a:chExt cx="0" cy="0"/>
+        </a:xfrm>
+      </p:grpSpPr>
+      <p:sp>
+        <p:nvSpPr>
+          <p:cNvPr id="3" name="Subtitle 2">
+            <a:extLst>
+              <a:ext uri="{FF2B5EF4-FFF2-40B4-BE49-F238E27FC236}">
+                <a16:creationId xmlns:a16="http://schemas.microsoft.com/office/drawing/2014/main" id="{95D96381-E8C5-2949-1F16-B7D36664BFC9}"/>
+              </a:ext>
+            </a:extLst>
+          </p:cNvPr>
+          <p:cNvSpPr>
+            <a:spLocks noGrp="1"/>
+          </p:cNvSpPr>
+          <p:nvPr>
+            <p:ph type="subTitle" idx="1"/>
+          </p:nvPr>
+        </p:nvSpPr>
+        <p:spPr>
+          <a:xfrm>
+            <a:off x="251520" y="692696"/>
+            <a:ext cx="8640960" cy="6480720"/>
+          </a:xfrm>
+        </p:spPr>
+        <p:txBody>
+          <a:bodyPr>
+            <a:noAutofit/>
+          </a:bodyPr>
+          <a:lstStyle/>
+          <a:p>
+            <a:r>
+              <a:rPr lang="en-GB" sz="3600" dirty="0">
+                <a:solidFill>
+                  <a:schemeClr val="bg1"/>
+                </a:solidFill>
+              </a:rPr>
+              <a:t>This is amazing grace</a:t>
+            </a:r>
+          </a:p>
+          <a:p>
+            <a:r>
+              <a:rPr lang="en-GB" sz="3600" dirty="0">
+                <a:solidFill>
+                  <a:schemeClr val="bg1"/>
+                </a:solidFill>
+              </a:rPr>
+              <a:t>This is unfailing love</a:t>
+            </a:r>
+          </a:p>
+          <a:p>
+            <a:r>
+              <a:rPr lang="en-GB" sz="3600" dirty="0">
+                <a:solidFill>
+                  <a:schemeClr val="bg1"/>
+                </a:solidFill>
+              </a:rPr>
+              <a:t>That You would take my place</a:t>
+            </a:r>
+          </a:p>
+          <a:p>
+            <a:r>
+              <a:rPr lang="en-GB" sz="3600" dirty="0">
+                <a:solidFill>
+                  <a:schemeClr val="bg1"/>
+                </a:solidFill>
+              </a:rPr>
+              <a:t>That You would bear my cross</a:t>
+            </a:r>
+          </a:p>
+          <a:p>
+            <a:r>
+              <a:rPr lang="en-GB" sz="3600" dirty="0">
+                <a:solidFill>
+                  <a:schemeClr val="bg1"/>
+                </a:solidFill>
+              </a:rPr>
+              <a:t>You laid down Your life</a:t>
+            </a:r>
+          </a:p>
+          <a:p>
+            <a:r>
+              <a:rPr lang="en-GB" sz="3600" dirty="0">
+                <a:solidFill>
+                  <a:schemeClr val="bg1"/>
+                </a:solidFill>
+              </a:rPr>
+              <a:t>That I would be set free</a:t>
+            </a:r>
+          </a:p>
+          <a:p>
+            <a:r>
+              <a:rPr lang="en-GB" sz="3600" dirty="0">
+                <a:solidFill>
+                  <a:schemeClr val="bg1"/>
+                </a:solidFill>
+              </a:rPr>
+              <a:t>Oh Jesus I sing for all that You've done for me</a:t>
+            </a:r>
+          </a:p>
+        </p:txBody>
+      </p:sp>
+      <p:sp>
+        <p:nvSpPr>
+          <p:cNvPr id="4" name="TextBox 3">
+            <a:extLst>
+              <a:ext uri="{FF2B5EF4-FFF2-40B4-BE49-F238E27FC236}">
+                <a16:creationId xmlns:a16="http://schemas.microsoft.com/office/drawing/2014/main" id="{F57786CC-EAE1-9CC3-AA1A-571B0674250A}"/>
+              </a:ext>
+            </a:extLst>
+          </p:cNvPr>
+          <p:cNvSpPr txBox="1"/>
+          <p:nvPr/>
+        </p:nvSpPr>
+        <p:spPr>
+          <a:xfrm>
+            <a:off x="8529729" y="0"/>
+            <a:ext cx="628698" cy="461665"/>
+          </a:xfrm>
+          <a:prstGeom prst="rect">
+            <a:avLst/>
+          </a:prstGeom>
+          <a:noFill/>
+        </p:spPr>
+        <p:txBody>
+          <a:bodyPr wrap="none" rtlCol="0">
+            <a:spAutoFit/>
+          </a:bodyPr>
+          <a:lstStyle/>
+          <a:p>
+            <a:r>
+              <a:rPr lang="en-GB" sz="2400" b="1" dirty="0">
+                <a:solidFill>
+                  <a:schemeClr val="bg1"/>
+                </a:solidFill>
+              </a:rPr>
+              <a:t>8/8</a:t>
+            </a:r>
+          </a:p>
+        </p:txBody>
+      </p:sp>
+    </p:spTree>
+    <p:extLst>
+      <p:ext uri="{BB962C8B-B14F-4D97-AF65-F5344CB8AC3E}">
+        <p14:creationId xmlns:p14="http://schemas.microsoft.com/office/powerpoint/2010/main" val="3662799473"/>
       </p:ext>
     </p:extLst>
   </p:cSld>
